--- a/Muffintown Project/Muffintown_Final_Project.pptx
+++ b/Muffintown Project/Muffintown_Final_Project.pptx
@@ -290,6 +290,11 @@
       </a:defRPr>
     </a:lvl9pPr>
   </p:defaultTextStyle>
+  <p:extLst>
+    <p:ext uri="{EFAFB233-063F-42B5-8137-9DF3F51BA10A}">
+      <p15:sldGuideLst xmlns:p15="http://schemas.microsoft.com/office/powerpoint/2012/main"/>
+    </p:ext>
+  </p:extLst>
 </p:presentation>
 </file>
 
@@ -23305,15 +23310,6 @@
           <a:ln>
             <a:noFill/>
           </a:ln>
-          <a:extLst>
-            <a:ext uri="{909E8E84-426E-40DD-AFC4-6F175D3DCCD1}">
-              <a14:hiddenFill xmlns:a14="http://schemas.microsoft.com/office/drawing/2010/main">
-                <a:solidFill>
-                  <a:srgbClr val="FFFFFF"/>
-                </a:solidFill>
-              </a14:hiddenFill>
-            </a:ext>
-          </a:extLst>
         </p:spPr>
       </p:pic>
       <p:sp>
@@ -45670,15 +45666,6 @@
             <a:headEnd type="none" w="sm" len="sm"/>
             <a:tailEnd type="none" w="sm" len="sm"/>
           </a:ln>
-          <a:extLst>
-            <a:ext uri="{909E8E84-426E-40DD-AFC4-6F175D3DCCD1}">
-              <a14:hiddenFill xmlns:a14="http://schemas.microsoft.com/office/drawing/2010/main">
-                <a:solidFill>
-                  <a:srgbClr val="FFFFFF"/>
-                </a:solidFill>
-              </a14:hiddenFill>
-            </a:ext>
-          </a:extLst>
         </p:spPr>
       </p:pic>
       <p:sp>
@@ -46264,15 +46251,6 @@
             <a:headEnd type="none" w="sm" len="sm"/>
             <a:tailEnd type="none" w="sm" len="sm"/>
           </a:ln>
-          <a:extLst>
-            <a:ext uri="{909E8E84-426E-40DD-AFC4-6F175D3DCCD1}">
-              <a14:hiddenFill xmlns:a14="http://schemas.microsoft.com/office/drawing/2010/main">
-                <a:solidFill>
-                  <a:srgbClr val="FFFFFF"/>
-                </a:solidFill>
-              </a14:hiddenFill>
-            </a:ext>
-          </a:extLst>
         </p:spPr>
       </p:pic>
     </p:spTree>
@@ -46658,7 +46636,7 @@
               <a:rPr lang="en-US" sz="900" dirty="0">
                 <a:latin typeface="Oxygen" panose="02000503000000000000" pitchFamily="2" charset="77"/>
               </a:rPr>
-              <a:t>Muffin Town used  several excel sheets to manage the information with no standards on</a:t>
+              <a:t>Muffin Town used  several excel sheets to manage the information</a:t>
             </a:r>
           </a:p>
           <a:p>
@@ -46743,7 +46721,7 @@
               <a:rPr lang="en-US" sz="900" dirty="0">
                 <a:latin typeface="Oxygen" panose="02000503000000000000" pitchFamily="2" charset="77"/>
               </a:rPr>
-              <a:t>This led to data that did not match with the reality of the business, neither led to valuable insights​</a:t>
+              <a:t>This led to data that did not match with the needs of the business, complicating analysis</a:t>
             </a:r>
           </a:p>
           <a:p>
@@ -47261,14 +47239,10 @@
               <a:t>Show flexibility for </a:t>
             </a:r>
             <a:r>
-              <a:rPr lang="en-US" sz="900" b="0" u="none" strike="noStrike" dirty="0" err="1">
-                <a:solidFill>
-                  <a:srgbClr val="000000"/>
-                </a:solidFill>
-                <a:effectLst/>
+              <a:rPr lang="en-US" sz="900" dirty="0">
                 <a:latin typeface="Oxygen" panose="02000503000000000000" pitchFamily="2" charset="77"/>
               </a:rPr>
-              <a:t>skus</a:t>
+              <a:t>SKU</a:t>
             </a:r>
             <a:r>
               <a:rPr lang="en-US" sz="900" b="0" u="none" strike="noStrike" dirty="0">
@@ -47278,7 +47252,7 @@
                 <a:effectLst/>
                 <a:latin typeface="Oxygen" panose="02000503000000000000" pitchFamily="2" charset="77"/>
               </a:rPr>
-              <a:t> increase and other production parameters</a:t>
+              <a:t>s increase and other production parameters</a:t>
             </a:r>
             <a:endParaRPr lang="en-US" sz="900" b="0" dirty="0">
               <a:solidFill>
